--- a/slides.pptx
+++ b/slides.pptx
@@ -5,7 +5,7 @@
     <p:sldMasterId id="2147483648" r:id="rId1"/>
   </p:sldMasterIdLst>
   <p:notesMasterIdLst>
-    <p:notesMasterId r:id="rId11"/>
+    <p:notesMasterId r:id="rId12"/>
   </p:notesMasterIdLst>
   <p:sldIdLst>
     <p:sldId id="256" r:id="rId2"/>
@@ -17,6 +17,7 @@
     <p:sldId id="262" r:id="rId8"/>
     <p:sldId id="263" r:id="rId9"/>
     <p:sldId id="260" r:id="rId10"/>
+    <p:sldId id="265" r:id="rId11"/>
   </p:sldIdLst>
   <p:sldSz cx="9144000" cy="6858000" type="screen4x3"/>
   <p:notesSz cx="6858000" cy="9144000"/>
@@ -839,6 +840,222 @@
     <p:extLst>
       <p:ext uri="{BB962C8B-B14F-4D97-AF65-F5344CB8AC3E}">
         <p14:creationId xmlns:p14="http://schemas.microsoft.com/office/powerpoint/2010/main" val="2730776489"/>
+      </p:ext>
+    </p:extLst>
+  </p:cSld>
+  <p:clrMapOvr>
+    <a:masterClrMapping/>
+  </p:clrMapOvr>
+</p:notes>
+</file>
+
+<file path=ppt/notesSlides/notesSlide5.xml><?xml version="1.0" encoding="utf-8"?>
+<p:notes xmlns:a="http://schemas.openxmlformats.org/drawingml/2006/main" xmlns:r="http://schemas.openxmlformats.org/officeDocument/2006/relationships" xmlns:p="http://schemas.openxmlformats.org/presentationml/2006/main">
+  <p:cSld>
+    <p:spTree>
+      <p:nvGrpSpPr>
+        <p:cNvPr id="1" name=""/>
+        <p:cNvGrpSpPr/>
+        <p:nvPr/>
+      </p:nvGrpSpPr>
+      <p:grpSpPr>
+        <a:xfrm>
+          <a:off x="0" y="0"/>
+          <a:ext cx="0" cy="0"/>
+          <a:chOff x="0" y="0"/>
+          <a:chExt cx="0" cy="0"/>
+        </a:xfrm>
+      </p:grpSpPr>
+      <p:sp>
+        <p:nvSpPr>
+          <p:cNvPr id="2" name="Slide Image Placeholder 1"/>
+          <p:cNvSpPr>
+            <a:spLocks noGrp="1" noRot="1" noChangeAspect="1"/>
+          </p:cNvSpPr>
+          <p:nvPr>
+            <p:ph type="sldImg"/>
+          </p:nvPr>
+        </p:nvSpPr>
+        <p:spPr/>
+      </p:sp>
+      <p:sp>
+        <p:nvSpPr>
+          <p:cNvPr id="3" name="Notes Placeholder 2"/>
+          <p:cNvSpPr>
+            <a:spLocks noGrp="1"/>
+          </p:cNvSpPr>
+          <p:nvPr>
+            <p:ph type="body" idx="1"/>
+          </p:nvPr>
+        </p:nvSpPr>
+        <p:spPr/>
+        <p:txBody>
+          <a:bodyPr/>
+          <a:lstStyle/>
+          <a:p>
+            <a:endParaRPr lang="en-US" dirty="0"/>
+          </a:p>
+        </p:txBody>
+      </p:sp>
+      <p:sp>
+        <p:nvSpPr>
+          <p:cNvPr id="4" name="Slide Number Placeholder 3"/>
+          <p:cNvSpPr>
+            <a:spLocks noGrp="1"/>
+          </p:cNvSpPr>
+          <p:nvPr>
+            <p:ph type="sldNum" sz="quarter" idx="10"/>
+          </p:nvPr>
+        </p:nvSpPr>
+        <p:spPr/>
+        <p:txBody>
+          <a:bodyPr/>
+          <a:lstStyle/>
+          <a:p>
+            <a:fld id="{F6068C0D-2674-E249-AF9A-1F78E01FEF53}" type="slidenum">
+              <a:rPr lang="en-US" smtClean="0"/>
+              <a:t>9</a:t>
+            </a:fld>
+            <a:endParaRPr lang="en-US"/>
+          </a:p>
+        </p:txBody>
+      </p:sp>
+    </p:spTree>
+    <p:extLst>
+      <p:ext uri="{BB962C8B-B14F-4D97-AF65-F5344CB8AC3E}">
+        <p14:creationId xmlns:p14="http://schemas.microsoft.com/office/powerpoint/2010/main" val="2872567283"/>
+      </p:ext>
+    </p:extLst>
+  </p:cSld>
+  <p:clrMapOvr>
+    <a:masterClrMapping/>
+  </p:clrMapOvr>
+</p:notes>
+</file>
+
+<file path=ppt/notesSlides/notesSlide6.xml><?xml version="1.0" encoding="utf-8"?>
+<p:notes xmlns:a="http://schemas.openxmlformats.org/drawingml/2006/main" xmlns:r="http://schemas.openxmlformats.org/officeDocument/2006/relationships" xmlns:p="http://schemas.openxmlformats.org/presentationml/2006/main">
+  <p:cSld>
+    <p:spTree>
+      <p:nvGrpSpPr>
+        <p:cNvPr id="1" name=""/>
+        <p:cNvGrpSpPr/>
+        <p:nvPr/>
+      </p:nvGrpSpPr>
+      <p:grpSpPr>
+        <a:xfrm>
+          <a:off x="0" y="0"/>
+          <a:ext cx="0" cy="0"/>
+          <a:chOff x="0" y="0"/>
+          <a:chExt cx="0" cy="0"/>
+        </a:xfrm>
+      </p:grpSpPr>
+      <p:sp>
+        <p:nvSpPr>
+          <p:cNvPr id="2" name="Slide Image Placeholder 1"/>
+          <p:cNvSpPr>
+            <a:spLocks noGrp="1" noRot="1" noChangeAspect="1"/>
+          </p:cNvSpPr>
+          <p:nvPr>
+            <p:ph type="sldImg"/>
+          </p:nvPr>
+        </p:nvSpPr>
+        <p:spPr/>
+      </p:sp>
+      <p:sp>
+        <p:nvSpPr>
+          <p:cNvPr id="3" name="Notes Placeholder 2"/>
+          <p:cNvSpPr>
+            <a:spLocks noGrp="1"/>
+          </p:cNvSpPr>
+          <p:nvPr>
+            <p:ph type="body" idx="1"/>
+          </p:nvPr>
+        </p:nvSpPr>
+        <p:spPr/>
+        <p:txBody>
+          <a:bodyPr/>
+          <a:lstStyle/>
+          <a:p>
+            <a:r>
+              <a:rPr lang="en-US" dirty="0" err="1" smtClean="0"/>
+              <a:t>sysctl</a:t>
+            </a:r>
+            <a:r>
+              <a:rPr lang="en-US" dirty="0" smtClean="0"/>
+              <a:t> </a:t>
+            </a:r>
+            <a:r>
+              <a:rPr lang="en-US" dirty="0" err="1" smtClean="0"/>
+              <a:t>kernel.randomize_va_space</a:t>
+            </a:r>
+            <a:endParaRPr lang="en-US" dirty="0" smtClean="0"/>
+          </a:p>
+          <a:p>
+            <a:r>
+              <a:rPr lang="en-US" dirty="0" smtClean="0"/>
+              <a:t>watch cat /</a:t>
+            </a:r>
+            <a:r>
+              <a:rPr lang="en-US" dirty="0" err="1" smtClean="0"/>
+              <a:t>proc</a:t>
+            </a:r>
+            <a:r>
+              <a:rPr lang="en-US" dirty="0" smtClean="0"/>
+              <a:t>/self/maps</a:t>
+            </a:r>
+          </a:p>
+          <a:p>
+            <a:r>
+              <a:rPr lang="en-US" dirty="0" smtClean="0"/>
+              <a:t>http://</a:t>
+            </a:r>
+            <a:r>
+              <a:rPr lang="en-US" dirty="0" err="1" smtClean="0"/>
+              <a:t>www.trapkit.de</a:t>
+            </a:r>
+            <a:r>
+              <a:rPr lang="en-US" dirty="0" smtClean="0"/>
+              <a:t>/tools/</a:t>
+            </a:r>
+            <a:r>
+              <a:rPr lang="en-US" dirty="0" err="1" smtClean="0"/>
+              <a:t>checksec.sh</a:t>
+            </a:r>
+            <a:endParaRPr lang="en-US" dirty="0" smtClean="0"/>
+          </a:p>
+          <a:p>
+            <a:endParaRPr lang="en-US" dirty="0"/>
+          </a:p>
+        </p:txBody>
+      </p:sp>
+      <p:sp>
+        <p:nvSpPr>
+          <p:cNvPr id="4" name="Slide Number Placeholder 3"/>
+          <p:cNvSpPr>
+            <a:spLocks noGrp="1"/>
+          </p:cNvSpPr>
+          <p:nvPr>
+            <p:ph type="sldNum" sz="quarter" idx="10"/>
+          </p:nvPr>
+        </p:nvSpPr>
+        <p:spPr/>
+        <p:txBody>
+          <a:bodyPr/>
+          <a:lstStyle/>
+          <a:p>
+            <a:fld id="{F6068C0D-2674-E249-AF9A-1F78E01FEF53}" type="slidenum">
+              <a:rPr lang="en-US" smtClean="0"/>
+              <a:t>10</a:t>
+            </a:fld>
+            <a:endParaRPr lang="en-US"/>
+          </a:p>
+        </p:txBody>
+      </p:sp>
+    </p:spTree>
+    <p:extLst>
+      <p:ext uri="{BB962C8B-B14F-4D97-AF65-F5344CB8AC3E}">
+        <p14:creationId xmlns:p14="http://schemas.microsoft.com/office/powerpoint/2010/main" val="4095208384"/>
       </p:ext>
     </p:extLst>
   </p:cSld>
@@ -3903,6 +4120,164 @@
 </p:sld>
 </file>
 
+<file path=ppt/slides/slide10.xml><?xml version="1.0" encoding="utf-8"?>
+<p:sld xmlns:a="http://schemas.openxmlformats.org/drawingml/2006/main" xmlns:r="http://schemas.openxmlformats.org/officeDocument/2006/relationships" xmlns:p="http://schemas.openxmlformats.org/presentationml/2006/main">
+  <p:cSld>
+    <p:spTree>
+      <p:nvGrpSpPr>
+        <p:cNvPr id="1" name=""/>
+        <p:cNvGrpSpPr/>
+        <p:nvPr/>
+      </p:nvGrpSpPr>
+      <p:grpSpPr>
+        <a:xfrm>
+          <a:off x="0" y="0"/>
+          <a:ext cx="0" cy="0"/>
+          <a:chOff x="0" y="0"/>
+          <a:chExt cx="0" cy="0"/>
+        </a:xfrm>
+      </p:grpSpPr>
+      <p:sp>
+        <p:nvSpPr>
+          <p:cNvPr id="2" name="Title 1"/>
+          <p:cNvSpPr>
+            <a:spLocks noGrp="1"/>
+          </p:cNvSpPr>
+          <p:nvPr>
+            <p:ph type="title"/>
+          </p:nvPr>
+        </p:nvSpPr>
+        <p:spPr/>
+        <p:txBody>
+          <a:bodyPr>
+            <a:normAutofit fontScale="90000"/>
+          </a:bodyPr>
+          <a:lstStyle/>
+          <a:p>
+            <a:r>
+              <a:rPr lang="en-US" dirty="0" smtClean="0"/>
+              <a:t>Bugs &amp; Exploitation</a:t>
+            </a:r>
+            <a:br>
+              <a:rPr lang="en-US" dirty="0" smtClean="0"/>
+            </a:br>
+            <a:r>
+              <a:rPr lang="en-US" dirty="0" smtClean="0"/>
+              <a:t>The </a:t>
+            </a:r>
+            <a:r>
+              <a:rPr lang="en-US" dirty="0"/>
+              <a:t>H</a:t>
+            </a:r>
+            <a:r>
+              <a:rPr lang="en-US" dirty="0" smtClean="0"/>
+              <a:t>arsh Truth</a:t>
+            </a:r>
+            <a:endParaRPr lang="en-US" dirty="0"/>
+          </a:p>
+        </p:txBody>
+      </p:sp>
+      <p:sp>
+        <p:nvSpPr>
+          <p:cNvPr id="3" name="Content Placeholder 2"/>
+          <p:cNvSpPr>
+            <a:spLocks noGrp="1"/>
+          </p:cNvSpPr>
+          <p:nvPr>
+            <p:ph idx="1"/>
+          </p:nvPr>
+        </p:nvSpPr>
+        <p:spPr>
+          <a:xfrm>
+            <a:off x="457200" y="1600200"/>
+            <a:ext cx="8229600" cy="4948510"/>
+          </a:xfrm>
+        </p:spPr>
+        <p:txBody>
+          <a:bodyPr>
+            <a:normAutofit lnSpcReduction="10000"/>
+          </a:bodyPr>
+          <a:lstStyle/>
+          <a:p>
+            <a:r>
+              <a:rPr lang="en-US" dirty="0"/>
+              <a:t>The bug</a:t>
+            </a:r>
+          </a:p>
+          <a:p>
+            <a:endParaRPr lang="en-US" dirty="0" smtClean="0"/>
+          </a:p>
+          <a:p>
+            <a:r>
+              <a:rPr lang="en-US" dirty="0"/>
+              <a:t>DEP</a:t>
+            </a:r>
+          </a:p>
+          <a:p>
+            <a:r>
+              <a:rPr lang="en-US" dirty="0"/>
+              <a:t>ASLR &amp; PIE</a:t>
+            </a:r>
+          </a:p>
+          <a:p>
+            <a:endParaRPr lang="en-US" dirty="0" smtClean="0"/>
+          </a:p>
+          <a:p>
+            <a:r>
+              <a:rPr lang="en-US" dirty="0" smtClean="0"/>
+              <a:t>Then </a:t>
+            </a:r>
+            <a:r>
+              <a:rPr lang="en-US" dirty="0"/>
+              <a:t>what?</a:t>
+            </a:r>
+          </a:p>
+          <a:p>
+            <a:pPr lvl="1"/>
+            <a:r>
+              <a:rPr lang="en-US" dirty="0"/>
+              <a:t>What do we know?</a:t>
+            </a:r>
+          </a:p>
+          <a:p>
+            <a:pPr lvl="1"/>
+            <a:r>
+              <a:rPr lang="en-US" dirty="0"/>
+              <a:t>What do we need</a:t>
+            </a:r>
+            <a:r>
+              <a:rPr lang="en-US" dirty="0" smtClean="0"/>
+              <a:t>?</a:t>
+            </a:r>
+          </a:p>
+          <a:p>
+            <a:r>
+              <a:rPr lang="en-US" dirty="0" smtClean="0"/>
+              <a:t>The answer to all your problems</a:t>
+            </a:r>
+            <a:endParaRPr lang="en-US" dirty="0"/>
+          </a:p>
+          <a:p>
+            <a:endParaRPr lang="en-US" dirty="0" smtClean="0"/>
+          </a:p>
+          <a:p>
+            <a:endParaRPr lang="en-US" dirty="0"/>
+          </a:p>
+        </p:txBody>
+      </p:sp>
+    </p:spTree>
+    <p:extLst>
+      <p:ext uri="{BB962C8B-B14F-4D97-AF65-F5344CB8AC3E}">
+        <p14:creationId xmlns:p14="http://schemas.microsoft.com/office/powerpoint/2010/main" val="3317586886"/>
+      </p:ext>
+    </p:extLst>
+  </p:cSld>
+  <p:clrMapOvr>
+    <a:masterClrMapping/>
+  </p:clrMapOvr>
+</p:sld>
+</file>
+
 <file path=ppt/slides/slide2.xml><?xml version="1.0" encoding="utf-8"?>
 <p:sld xmlns:a="http://schemas.openxmlformats.org/drawingml/2006/main" xmlns:r="http://schemas.openxmlformats.org/officeDocument/2006/relationships" xmlns:p="http://schemas.openxmlformats.org/presentationml/2006/main">
   <p:cSld>
@@ -5827,28 +6202,43 @@
           <a:bodyPr/>
           <a:lstStyle/>
           <a:p>
+            <a:endParaRPr lang="en-US" dirty="0" smtClean="0"/>
+          </a:p>
+          <a:p>
             <a:r>
               <a:rPr lang="en-US" dirty="0" smtClean="0"/>
-              <a:t>The bug</a:t>
+              <a:t>GDB primer</a:t>
             </a:r>
           </a:p>
           <a:p>
             <a:r>
               <a:rPr lang="en-US" dirty="0" smtClean="0"/>
-              <a:t>Then what?</a:t>
+              <a:t>Processes, </a:t>
             </a:r>
           </a:p>
           <a:p>
             <a:r>
               <a:rPr lang="en-US" dirty="0" smtClean="0"/>
-              <a:t>DEP</a:t>
+              <a:t>Registers / Memory</a:t>
             </a:r>
           </a:p>
           <a:p>
             <a:r>
               <a:rPr lang="en-US" dirty="0" smtClean="0"/>
-              <a:t>ASLR</a:t>
-            </a:r>
+              <a:t> </a:t>
+            </a:r>
+            <a:r>
+              <a:rPr lang="en-US" dirty="0" err="1" smtClean="0"/>
+              <a:t>Misc</a:t>
+            </a:r>
+            <a:r>
+              <a:rPr lang="en-US" dirty="0" smtClean="0"/>
+              <a:t>: forks, signals,</a:t>
+            </a:r>
+            <a:endParaRPr lang="en-US" dirty="0"/>
+          </a:p>
+          <a:p>
+            <a:endParaRPr lang="en-US" dirty="0" smtClean="0"/>
           </a:p>
           <a:p>
             <a:pPr marL="0" indent="0">

--- a/slides.pptx
+++ b/slides.pptx
@@ -4161,18 +4161,6 @@
             <a:br>
               <a:rPr lang="en-US" dirty="0" smtClean="0"/>
             </a:br>
-            <a:r>
-              <a:rPr lang="en-US" dirty="0" smtClean="0"/>
-              <a:t>The </a:t>
-            </a:r>
-            <a:r>
-              <a:rPr lang="en-US" dirty="0"/>
-              <a:t>H</a:t>
-            </a:r>
-            <a:r>
-              <a:rPr lang="en-US" dirty="0" smtClean="0"/>
-              <a:t>arsh Truth</a:t>
-            </a:r>
             <a:endParaRPr lang="en-US" dirty="0"/>
           </a:p>
         </p:txBody>
@@ -4335,8 +4323,13 @@
           <a:p>
             <a:r>
               <a:rPr lang="en-US" dirty="0" smtClean="0"/>
-              <a:t>What’s this</a:t>
-            </a:r>
+              <a:t>What’s </a:t>
+            </a:r>
+            <a:r>
+              <a:rPr lang="en-US" dirty="0" smtClean="0"/>
+              <a:t>that</a:t>
+            </a:r>
+            <a:endParaRPr lang="en-US" dirty="0" smtClean="0"/>
           </a:p>
           <a:p>
             <a:r>

--- a/slides.pptx
+++ b/slides.pptx
@@ -11,11 +11,11 @@
     <p:sldId id="256" r:id="rId2"/>
     <p:sldId id="257" r:id="rId3"/>
     <p:sldId id="258" r:id="rId4"/>
-    <p:sldId id="264" r:id="rId5"/>
-    <p:sldId id="259" r:id="rId6"/>
-    <p:sldId id="261" r:id="rId7"/>
-    <p:sldId id="262" r:id="rId8"/>
-    <p:sldId id="263" r:id="rId9"/>
+    <p:sldId id="259" r:id="rId5"/>
+    <p:sldId id="261" r:id="rId6"/>
+    <p:sldId id="262" r:id="rId7"/>
+    <p:sldId id="263" r:id="rId8"/>
+    <p:sldId id="266" r:id="rId9"/>
     <p:sldId id="260" r:id="rId10"/>
     <p:sldId id="265" r:id="rId11"/>
   </p:sldIdLst>
@@ -216,7 +216,7 @@
           <a:p>
             <a:fld id="{C197A9E1-4196-D249-934A-ADF7A8F4498A}" type="datetimeFigureOut">
               <a:rPr lang="en-US" smtClean="0"/>
-              <a:t>20/08/15</a:t>
+              <a:t>10/10/15</a:t>
             </a:fld>
             <a:endParaRPr lang="en-US"/>
           </a:p>
@@ -641,7 +641,7 @@
           <a:p>
             <a:fld id="{F6068C0D-2674-E249-AF9A-1F78E01FEF53}" type="slidenum">
               <a:rPr lang="en-US" smtClean="0"/>
-              <a:t>5</a:t>
+              <a:t>4</a:t>
             </a:fld>
             <a:endParaRPr lang="en-US"/>
           </a:p>
@@ -742,7 +742,7 @@
           <a:p>
             <a:fld id="{F6068C0D-2674-E249-AF9A-1F78E01FEF53}" type="slidenum">
               <a:rPr lang="en-US" smtClean="0"/>
-              <a:t>6</a:t>
+              <a:t>5</a:t>
             </a:fld>
             <a:endParaRPr lang="en-US"/>
           </a:p>
@@ -830,7 +830,7 @@
           <a:p>
             <a:fld id="{F6068C0D-2674-E249-AF9A-1F78E01FEF53}" type="slidenum">
               <a:rPr lang="en-US" smtClean="0"/>
-              <a:t>8</a:t>
+              <a:t>7</a:t>
             </a:fld>
             <a:endParaRPr lang="en-US"/>
           </a:p>
@@ -1246,7 +1246,7 @@
           <a:p>
             <a:fld id="{4A9AB78F-46B8-2141-9B97-A74BA642CA0B}" type="datetimeFigureOut">
               <a:rPr lang="en-US" smtClean="0"/>
-              <a:t>20/08/15</a:t>
+              <a:t>10/10/15</a:t>
             </a:fld>
             <a:endParaRPr lang="en-US"/>
           </a:p>
@@ -1416,7 +1416,7 @@
           <a:p>
             <a:fld id="{4A9AB78F-46B8-2141-9B97-A74BA642CA0B}" type="datetimeFigureOut">
               <a:rPr lang="en-US" smtClean="0"/>
-              <a:t>20/08/15</a:t>
+              <a:t>10/10/15</a:t>
             </a:fld>
             <a:endParaRPr lang="en-US"/>
           </a:p>
@@ -1596,7 +1596,7 @@
           <a:p>
             <a:fld id="{4A9AB78F-46B8-2141-9B97-A74BA642CA0B}" type="datetimeFigureOut">
               <a:rPr lang="en-US" smtClean="0"/>
-              <a:t>20/08/15</a:t>
+              <a:t>10/10/15</a:t>
             </a:fld>
             <a:endParaRPr lang="en-US"/>
           </a:p>
@@ -1766,7 +1766,7 @@
           <a:p>
             <a:fld id="{4A9AB78F-46B8-2141-9B97-A74BA642CA0B}" type="datetimeFigureOut">
               <a:rPr lang="en-US" smtClean="0"/>
-              <a:t>20/08/15</a:t>
+              <a:t>10/10/15</a:t>
             </a:fld>
             <a:endParaRPr lang="en-US"/>
           </a:p>
@@ -2012,7 +2012,7 @@
           <a:p>
             <a:fld id="{4A9AB78F-46B8-2141-9B97-A74BA642CA0B}" type="datetimeFigureOut">
               <a:rPr lang="en-US" smtClean="0"/>
-              <a:t>20/08/15</a:t>
+              <a:t>10/10/15</a:t>
             </a:fld>
             <a:endParaRPr lang="en-US"/>
           </a:p>
@@ -2300,7 +2300,7 @@
           <a:p>
             <a:fld id="{4A9AB78F-46B8-2141-9B97-A74BA642CA0B}" type="datetimeFigureOut">
               <a:rPr lang="en-US" smtClean="0"/>
-              <a:t>20/08/15</a:t>
+              <a:t>10/10/15</a:t>
             </a:fld>
             <a:endParaRPr lang="en-US"/>
           </a:p>
@@ -2722,7 +2722,7 @@
           <a:p>
             <a:fld id="{4A9AB78F-46B8-2141-9B97-A74BA642CA0B}" type="datetimeFigureOut">
               <a:rPr lang="en-US" smtClean="0"/>
-              <a:t>20/08/15</a:t>
+              <a:t>10/10/15</a:t>
             </a:fld>
             <a:endParaRPr lang="en-US"/>
           </a:p>
@@ -2840,7 +2840,7 @@
           <a:p>
             <a:fld id="{4A9AB78F-46B8-2141-9B97-A74BA642CA0B}" type="datetimeFigureOut">
               <a:rPr lang="en-US" smtClean="0"/>
-              <a:t>20/08/15</a:t>
+              <a:t>10/10/15</a:t>
             </a:fld>
             <a:endParaRPr lang="en-US"/>
           </a:p>
@@ -2935,7 +2935,7 @@
           <a:p>
             <a:fld id="{4A9AB78F-46B8-2141-9B97-A74BA642CA0B}" type="datetimeFigureOut">
               <a:rPr lang="en-US" smtClean="0"/>
-              <a:t>20/08/15</a:t>
+              <a:t>10/10/15</a:t>
             </a:fld>
             <a:endParaRPr lang="en-US"/>
           </a:p>
@@ -3212,7 +3212,7 @@
           <a:p>
             <a:fld id="{4A9AB78F-46B8-2141-9B97-A74BA642CA0B}" type="datetimeFigureOut">
               <a:rPr lang="en-US" smtClean="0"/>
-              <a:t>20/08/15</a:t>
+              <a:t>10/10/15</a:t>
             </a:fld>
             <a:endParaRPr lang="en-US"/>
           </a:p>
@@ -3465,7 +3465,7 @@
           <a:p>
             <a:fld id="{4A9AB78F-46B8-2141-9B97-A74BA642CA0B}" type="datetimeFigureOut">
               <a:rPr lang="en-US" smtClean="0"/>
-              <a:t>20/08/15</a:t>
+              <a:t>10/10/15</a:t>
             </a:fld>
             <a:endParaRPr lang="en-US"/>
           </a:p>
@@ -3678,7 +3678,7 @@
           <a:p>
             <a:fld id="{4A9AB78F-46B8-2141-9B97-A74BA642CA0B}" type="datetimeFigureOut">
               <a:rPr lang="en-US" smtClean="0"/>
-              <a:t>20/08/15</a:t>
+              <a:t>10/10/15</a:t>
             </a:fld>
             <a:endParaRPr lang="en-US"/>
           </a:p>
@@ -4069,41 +4069,17 @@
           <a:lstStyle/>
           <a:p>
             <a:r>
-              <a:rPr lang="en-US" dirty="0" smtClean="0"/>
-              <a:t>Exploit Development</a:t>
-            </a:r>
-            <a:endParaRPr lang="en-US" dirty="0"/>
-          </a:p>
-        </p:txBody>
-      </p:sp>
-      <p:sp>
-        <p:nvSpPr>
-          <p:cNvPr id="3" name="Subtitle 2"/>
-          <p:cNvSpPr>
-            <a:spLocks noGrp="1"/>
-          </p:cNvSpPr>
-          <p:nvPr>
-            <p:ph type="subTitle" idx="1"/>
-          </p:nvPr>
-        </p:nvSpPr>
-        <p:spPr/>
-        <p:txBody>
-          <a:bodyPr/>
-          <a:lstStyle/>
-          <a:p>
-            <a:r>
-              <a:rPr lang="en-US" dirty="0" smtClean="0"/>
-              <a:t>Part 1 – Disassembling and </a:t>
-            </a:r>
-            <a:r>
-              <a:rPr lang="en-US" dirty="0" err="1" smtClean="0"/>
-              <a:t>Analysing</a:t>
-            </a:r>
-            <a:r>
-              <a:rPr lang="en-US" dirty="0" smtClean="0"/>
-              <a:t> with IDA</a:t>
-            </a:r>
-            <a:endParaRPr lang="en-US" dirty="0"/>
+              <a:rPr lang="en-US" dirty="0"/>
+              <a:t>Reversing and </a:t>
+            </a:r>
+            <a:r>
+              <a:rPr lang="en-US" dirty="0" err="1"/>
+              <a:t>analysing</a:t>
+            </a:r>
+            <a:r>
+              <a:rPr lang="en-US" dirty="0"/>
+              <a:t> binaries with IDA</a:t>
+            </a:r>
           </a:p>
         </p:txBody>
       </p:sp>
@@ -4183,7 +4159,7 @@
         </p:spPr>
         <p:txBody>
           <a:bodyPr>
-            <a:normAutofit lnSpcReduction="10000"/>
+            <a:normAutofit/>
           </a:bodyPr>
           <a:lstStyle/>
           <a:p>
@@ -4237,13 +4213,6 @@
               <a:rPr lang="en-US" dirty="0" smtClean="0"/>
               <a:t>?</a:t>
             </a:r>
-          </a:p>
-          <a:p>
-            <a:r>
-              <a:rPr lang="en-US" dirty="0" smtClean="0"/>
-              <a:t>The answer to all your problems</a:t>
-            </a:r>
-            <a:endParaRPr lang="en-US" dirty="0"/>
           </a:p>
           <a:p>
             <a:endParaRPr lang="en-US" dirty="0" smtClean="0"/>
@@ -4323,13 +4292,8 @@
           <a:p>
             <a:r>
               <a:rPr lang="en-US" dirty="0" smtClean="0"/>
-              <a:t>What’s </a:t>
-            </a:r>
-            <a:r>
-              <a:rPr lang="en-US" dirty="0" smtClean="0"/>
-              <a:t>that</a:t>
-            </a:r>
-            <a:endParaRPr lang="en-US" dirty="0" smtClean="0"/>
+              <a:t>What’s that</a:t>
+            </a:r>
           </a:p>
           <a:p>
             <a:r>
@@ -4340,20 +4304,30 @@
           <a:p>
             <a:r>
               <a:rPr lang="en-US" dirty="0" smtClean="0"/>
+              <a:t>Changing </a:t>
+            </a:r>
+            <a:r>
+              <a:rPr lang="en-US" dirty="0" smtClean="0"/>
+              <a:t>things (NO UNDO, YOU FOOLS!)</a:t>
+            </a:r>
+          </a:p>
+          <a:p>
+            <a:r>
+              <a:rPr lang="en-US" dirty="0" smtClean="0"/>
               <a:t>The database</a:t>
             </a:r>
           </a:p>
           <a:p>
             <a:r>
-              <a:rPr lang="en-US" dirty="0" smtClean="0"/>
-              <a:t>Changing things (NO UNDO, YOU FOOLS!)</a:t>
-            </a:r>
-          </a:p>
-          <a:p>
-            <a:r>
-              <a:rPr lang="en-US" dirty="0" smtClean="0"/>
-              <a:t>(commenting)</a:t>
-            </a:r>
+              <a:rPr lang="en-US" dirty="0"/>
+              <a:t>documenting</a:t>
+            </a:r>
+          </a:p>
+          <a:p>
+            <a:endParaRPr lang="en-US" dirty="0"/>
+          </a:p>
+          <a:p>
+            <a:endParaRPr lang="en-US" dirty="0" smtClean="0"/>
           </a:p>
           <a:p>
             <a:endParaRPr lang="en-US" dirty="0" smtClean="0"/>
@@ -4440,7 +4414,7 @@
         </p:spPr>
         <p:txBody>
           <a:bodyPr>
-            <a:normAutofit/>
+            <a:normAutofit lnSpcReduction="10000"/>
           </a:bodyPr>
           <a:lstStyle/>
           <a:p>
@@ -4466,8 +4440,23 @@
             </a:r>
             <a:r>
               <a:rPr lang="en-US" dirty="0" smtClean="0"/>
-              <a:t>? Stack?</a:t>
-            </a:r>
+              <a:t>? Stack</a:t>
+            </a:r>
+            <a:r>
+              <a:rPr lang="en-US" dirty="0" smtClean="0"/>
+              <a:t>?</a:t>
+            </a:r>
+          </a:p>
+          <a:p>
+            <a:r>
+              <a:rPr lang="en-US" dirty="0"/>
+              <a:t>R</a:t>
+            </a:r>
+            <a:r>
+              <a:rPr lang="en-US" dirty="0" smtClean="0"/>
+              <a:t>egisters</a:t>
+            </a:r>
+            <a:endParaRPr lang="en-US" dirty="0" smtClean="0"/>
           </a:p>
           <a:p>
             <a:r>
@@ -4521,20 +4510,14 @@
           <a:p>
             <a:r>
               <a:rPr lang="en-US" dirty="0" smtClean="0"/>
-              <a:t>ELF</a:t>
-            </a:r>
-            <a:r>
-              <a:rPr lang="en-US" dirty="0" smtClean="0"/>
-              <a:t>, notes on segments, sections, </a:t>
-            </a:r>
-            <a:endParaRPr lang="en-US" dirty="0" smtClean="0"/>
+              <a:t>ELF, notes on segments, sections, </a:t>
+            </a:r>
           </a:p>
           <a:p>
             <a:r>
               <a:rPr lang="en-US" dirty="0" smtClean="0"/>
               <a:t>Mind syntaxes</a:t>
             </a:r>
-            <a:endParaRPr lang="en-US" dirty="0" smtClean="0"/>
           </a:p>
           <a:p>
             <a:endParaRPr lang="en-US" dirty="0"/>
@@ -4587,8 +4570,12 @@
           <a:lstStyle/>
           <a:p>
             <a:r>
+              <a:rPr lang="en-US" dirty="0"/>
+              <a:t>A</a:t>
+            </a:r>
+            <a:r>
               <a:rPr lang="en-US" dirty="0" smtClean="0"/>
-              <a:t>Assembly, #2</a:t>
+              <a:t>nalysis</a:t>
             </a:r>
             <a:endParaRPr lang="en-US" dirty="0"/>
           </a:p>
@@ -4610,124 +4597,39 @@
           <a:lstStyle/>
           <a:p>
             <a:r>
-              <a:rPr lang="en-US" dirty="0"/>
-              <a:t>Jumps, flags</a:t>
-            </a:r>
-          </a:p>
-          <a:p>
-            <a:pPr marL="0" indent="0">
-              <a:buNone/>
-            </a:pPr>
-            <a:r>
-              <a:rPr lang="en-US" dirty="0">
-                <a:hlinkClick r:id="rId2" action="ppaction://hlinkfile"/>
-              </a:rPr>
-              <a:t>https://</a:t>
-            </a:r>
-            <a:r>
-              <a:rPr lang="en-US" dirty="0" err="1">
-                <a:hlinkClick r:id="rId2" action="ppaction://hlinkfile"/>
-              </a:rPr>
-              <a:t>en.wikipedia.org</a:t>
-            </a:r>
-            <a:r>
-              <a:rPr lang="en-US" dirty="0">
-                <a:hlinkClick r:id="rId2" action="ppaction://hlinkfile"/>
-              </a:rPr>
-              <a:t>/wiki/</a:t>
-            </a:r>
-            <a:r>
-              <a:rPr lang="en-US" dirty="0" err="1">
-                <a:hlinkClick r:id="rId2" action="ppaction://hlinkfile"/>
-              </a:rPr>
-              <a:t>FLAGS_register</a:t>
-            </a:r>
+              <a:rPr lang="en-US" dirty="0" smtClean="0"/>
+              <a:t>search for strings (errors?)</a:t>
+            </a:r>
+          </a:p>
+          <a:p>
+            <a:r>
+              <a:rPr lang="en-US" dirty="0" err="1" smtClean="0"/>
+              <a:t>Recognise</a:t>
+            </a:r>
+            <a:r>
+              <a:rPr lang="en-US" dirty="0" smtClean="0"/>
+              <a:t> calls, structures, naming things</a:t>
+            </a:r>
+          </a:p>
+          <a:p>
+            <a:r>
+              <a:rPr lang="en-US" dirty="0" err="1" smtClean="0"/>
+              <a:t>strace</a:t>
+            </a:r>
+            <a:r>
+              <a:rPr lang="en-US" dirty="0" smtClean="0"/>
+              <a:t> -f</a:t>
+            </a:r>
+          </a:p>
+          <a:p>
             <a:endParaRPr lang="en-US" dirty="0"/>
-          </a:p>
-          <a:p>
-            <a:pPr marL="0" indent="0">
-              <a:buNone/>
-            </a:pPr>
-            <a:endParaRPr lang="en-US" dirty="0" smtClean="0"/>
-          </a:p>
-          <a:p>
-            <a:r>
-              <a:rPr lang="en-US" dirty="0" smtClean="0"/>
-              <a:t>Test </a:t>
-            </a:r>
-          </a:p>
-          <a:p>
-            <a:pPr marL="0" indent="0">
-              <a:buNone/>
-            </a:pPr>
-            <a:endParaRPr lang="en-US" dirty="0" smtClean="0"/>
-          </a:p>
-          <a:p>
-            <a:r>
-              <a:rPr lang="en-US" dirty="0" smtClean="0"/>
-              <a:t>String ops,  ( REPNE SCASB? )</a:t>
-            </a:r>
-          </a:p>
-          <a:p>
-            <a:pPr marL="0" indent="0">
-              <a:buNone/>
-            </a:pPr>
-            <a:r>
-              <a:rPr lang="en-US" sz="2400" dirty="0" smtClean="0">
-                <a:hlinkClick r:id="rId3"/>
-              </a:rPr>
-              <a:t>http</a:t>
-            </a:r>
-            <a:r>
-              <a:rPr lang="en-US" sz="2400" dirty="0">
-                <a:hlinkClick r:id="rId3"/>
-              </a:rPr>
-              <a:t>://</a:t>
-            </a:r>
-            <a:r>
-              <a:rPr lang="en-US" sz="2400" dirty="0" err="1">
-                <a:hlinkClick r:id="rId3"/>
-              </a:rPr>
-              <a:t>www.csc.depauw.edu</a:t>
-            </a:r>
-            <a:r>
-              <a:rPr lang="en-US" sz="2400" dirty="0">
-                <a:hlinkClick r:id="rId3"/>
-              </a:rPr>
-              <a:t>/~</a:t>
-            </a:r>
-            <a:r>
-              <a:rPr lang="en-US" sz="2400" dirty="0" err="1">
-                <a:hlinkClick r:id="rId3"/>
-              </a:rPr>
-              <a:t>bhoward</a:t>
-            </a:r>
-            <a:r>
-              <a:rPr lang="en-US" sz="2400" dirty="0">
-                <a:hlinkClick r:id="rId3"/>
-              </a:rPr>
-              <a:t>/</a:t>
-            </a:r>
-            <a:r>
-              <a:rPr lang="en-US" sz="2400" dirty="0" err="1">
-                <a:hlinkClick r:id="rId3"/>
-              </a:rPr>
-              <a:t>asmtut</a:t>
-            </a:r>
-            <a:r>
-              <a:rPr lang="en-US" sz="2400" dirty="0">
-                <a:hlinkClick r:id="rId3"/>
-              </a:rPr>
-              <a:t>/asmtut7.html</a:t>
-            </a:r>
-            <a:endParaRPr lang="en-US" sz="2400" dirty="0"/>
           </a:p>
         </p:txBody>
       </p:sp>
     </p:spTree>
     <p:extLst>
       <p:ext uri="{BB962C8B-B14F-4D97-AF65-F5344CB8AC3E}">
-        <p14:creationId xmlns:p14="http://schemas.microsoft.com/office/powerpoint/2010/main" val="2745483717"/>
+        <p14:creationId xmlns:p14="http://schemas.microsoft.com/office/powerpoint/2010/main" val="2054277835"/>
       </p:ext>
     </p:extLst>
   </p:cSld>
@@ -4770,116 +4672,6 @@
           <a:lstStyle/>
           <a:p>
             <a:r>
-              <a:rPr lang="en-US" dirty="0"/>
-              <a:t>A</a:t>
-            </a:r>
-            <a:r>
-              <a:rPr lang="en-US" dirty="0" smtClean="0"/>
-              <a:t>nalysis</a:t>
-            </a:r>
-            <a:endParaRPr lang="en-US" dirty="0"/>
-          </a:p>
-        </p:txBody>
-      </p:sp>
-      <p:sp>
-        <p:nvSpPr>
-          <p:cNvPr id="3" name="Content Placeholder 2"/>
-          <p:cNvSpPr>
-            <a:spLocks noGrp="1"/>
-          </p:cNvSpPr>
-          <p:nvPr>
-            <p:ph idx="1"/>
-          </p:nvPr>
-        </p:nvSpPr>
-        <p:spPr/>
-        <p:txBody>
-          <a:bodyPr/>
-          <a:lstStyle/>
-          <a:p>
-            <a:r>
-              <a:rPr lang="en-US" dirty="0" smtClean="0"/>
-              <a:t>search for strings (errors?)</a:t>
-            </a:r>
-          </a:p>
-          <a:p>
-            <a:r>
-              <a:rPr lang="en-US" dirty="0" err="1" smtClean="0"/>
-              <a:t>Recognise</a:t>
-            </a:r>
-            <a:r>
-              <a:rPr lang="en-US" dirty="0" smtClean="0"/>
-              <a:t> calls, structures, </a:t>
-            </a:r>
-            <a:r>
-              <a:rPr lang="en-US" dirty="0" smtClean="0"/>
-              <a:t>naming </a:t>
-            </a:r>
-            <a:r>
-              <a:rPr lang="en-US" dirty="0" smtClean="0"/>
-              <a:t>things</a:t>
-            </a:r>
-          </a:p>
-          <a:p>
-            <a:r>
-              <a:rPr lang="en-US" dirty="0" err="1" smtClean="0"/>
-              <a:t>strace</a:t>
-            </a:r>
-            <a:r>
-              <a:rPr lang="en-US" dirty="0" smtClean="0"/>
-              <a:t> -f</a:t>
-            </a:r>
-          </a:p>
-          <a:p>
-            <a:endParaRPr lang="en-US" dirty="0"/>
-          </a:p>
-        </p:txBody>
-      </p:sp>
-    </p:spTree>
-    <p:extLst>
-      <p:ext uri="{BB962C8B-B14F-4D97-AF65-F5344CB8AC3E}">
-        <p14:creationId xmlns:p14="http://schemas.microsoft.com/office/powerpoint/2010/main" val="2054277835"/>
-      </p:ext>
-    </p:extLst>
-  </p:cSld>
-  <p:clrMapOvr>
-    <a:masterClrMapping/>
-  </p:clrMapOvr>
-</p:sld>
-</file>
-
-<file path=ppt/slides/slide6.xml><?xml version="1.0" encoding="utf-8"?>
-<p:sld xmlns:a="http://schemas.openxmlformats.org/drawingml/2006/main" xmlns:r="http://schemas.openxmlformats.org/officeDocument/2006/relationships" xmlns:p="http://schemas.openxmlformats.org/presentationml/2006/main">
-  <p:cSld>
-    <p:spTree>
-      <p:nvGrpSpPr>
-        <p:cNvPr id="1" name=""/>
-        <p:cNvGrpSpPr/>
-        <p:nvPr/>
-      </p:nvGrpSpPr>
-      <p:grpSpPr>
-        <a:xfrm>
-          <a:off x="0" y="0"/>
-          <a:ext cx="0" cy="0"/>
-          <a:chOff x="0" y="0"/>
-          <a:chExt cx="0" cy="0"/>
-        </a:xfrm>
-      </p:grpSpPr>
-      <p:sp>
-        <p:nvSpPr>
-          <p:cNvPr id="2" name="Title 1"/>
-          <p:cNvSpPr>
-            <a:spLocks noGrp="1"/>
-          </p:cNvSpPr>
-          <p:nvPr>
-            <p:ph type="title"/>
-          </p:nvPr>
-        </p:nvSpPr>
-        <p:spPr/>
-        <p:txBody>
-          <a:bodyPr/>
-          <a:lstStyle/>
-          <a:p>
-            <a:r>
               <a:rPr lang="en-US" dirty="0" err="1" smtClean="0"/>
               <a:t>Structs</a:t>
             </a:r>
@@ -5211,7 +5003,7 @@
 </p:sld>
 </file>
 
-<file path=ppt/slides/slide7.xml><?xml version="1.0" encoding="utf-8"?>
+<file path=ppt/slides/slide6.xml><?xml version="1.0" encoding="utf-8"?>
 <p:sld xmlns:a="http://schemas.openxmlformats.org/drawingml/2006/main" xmlns:r="http://schemas.openxmlformats.org/officeDocument/2006/relationships" xmlns:p="http://schemas.openxmlformats.org/presentationml/2006/main">
   <p:cSld>
     <p:spTree>
@@ -5862,6 +5654,284 @@
 </p:sld>
 </file>
 
+<file path=ppt/slides/slide7.xml><?xml version="1.0" encoding="utf-8"?>
+<p:sld xmlns:a="http://schemas.openxmlformats.org/drawingml/2006/main" xmlns:r="http://schemas.openxmlformats.org/officeDocument/2006/relationships" xmlns:p="http://schemas.openxmlformats.org/presentationml/2006/main">
+  <p:cSld>
+    <p:spTree>
+      <p:nvGrpSpPr>
+        <p:cNvPr id="1" name=""/>
+        <p:cNvGrpSpPr/>
+        <p:nvPr/>
+      </p:nvGrpSpPr>
+      <p:grpSpPr>
+        <a:xfrm>
+          <a:off x="0" y="0"/>
+          <a:ext cx="0" cy="0"/>
+          <a:chOff x="0" y="0"/>
+          <a:chExt cx="0" cy="0"/>
+        </a:xfrm>
+      </p:grpSpPr>
+      <p:sp>
+        <p:nvSpPr>
+          <p:cNvPr id="2" name="Title 1"/>
+          <p:cNvSpPr>
+            <a:spLocks noGrp="1"/>
+          </p:cNvSpPr>
+          <p:nvPr>
+            <p:ph type="title"/>
+          </p:nvPr>
+        </p:nvSpPr>
+        <p:spPr/>
+        <p:txBody>
+          <a:bodyPr/>
+          <a:lstStyle/>
+          <a:p>
+            <a:r>
+              <a:rPr lang="en-US" dirty="0" smtClean="0"/>
+              <a:t>Pointers to </a:t>
+            </a:r>
+            <a:r>
+              <a:rPr lang="en-US" dirty="0" err="1" smtClean="0"/>
+              <a:t>struct</a:t>
+            </a:r>
+            <a:endParaRPr lang="en-US" dirty="0"/>
+          </a:p>
+        </p:txBody>
+      </p:sp>
+      <p:sp>
+        <p:nvSpPr>
+          <p:cNvPr id="3" name="Content Placeholder 2"/>
+          <p:cNvSpPr>
+            <a:spLocks noGrp="1"/>
+          </p:cNvSpPr>
+          <p:nvPr>
+            <p:ph idx="1"/>
+          </p:nvPr>
+        </p:nvSpPr>
+        <p:spPr/>
+        <p:txBody>
+          <a:bodyPr>
+            <a:normAutofit fontScale="92500" lnSpcReduction="20000"/>
+          </a:bodyPr>
+          <a:lstStyle/>
+          <a:p>
+            <a:pPr marL="0" indent="0">
+              <a:buNone/>
+            </a:pPr>
+            <a:r>
+              <a:rPr lang="en-US" dirty="0" err="1">
+                <a:latin typeface="Consolas"/>
+                <a:cs typeface="Consolas"/>
+              </a:rPr>
+              <a:t>struct</a:t>
+            </a:r>
+            <a:r>
+              <a:rPr lang="en-US" dirty="0">
+                <a:latin typeface="Consolas"/>
+                <a:cs typeface="Consolas"/>
+              </a:rPr>
+              <a:t> point {</a:t>
+            </a:r>
+          </a:p>
+          <a:p>
+            <a:pPr marL="0" indent="0">
+              <a:buNone/>
+            </a:pPr>
+            <a:r>
+              <a:rPr lang="en-US" dirty="0" smtClean="0">
+                <a:latin typeface="Consolas"/>
+                <a:cs typeface="Consolas"/>
+              </a:rPr>
+              <a:t>  </a:t>
+            </a:r>
+            <a:r>
+              <a:rPr lang="en-US" dirty="0" err="1">
+                <a:latin typeface="Consolas"/>
+                <a:cs typeface="Consolas"/>
+              </a:rPr>
+              <a:t>int</a:t>
+            </a:r>
+            <a:r>
+              <a:rPr lang="en-US" dirty="0">
+                <a:latin typeface="Consolas"/>
+                <a:cs typeface="Consolas"/>
+              </a:rPr>
+              <a:t> x;</a:t>
+            </a:r>
+          </a:p>
+          <a:p>
+            <a:pPr marL="0" indent="0">
+              <a:buNone/>
+            </a:pPr>
+            <a:r>
+              <a:rPr lang="en-US" dirty="0" smtClean="0">
+                <a:latin typeface="Consolas"/>
+                <a:cs typeface="Consolas"/>
+              </a:rPr>
+              <a:t>  </a:t>
+            </a:r>
+            <a:r>
+              <a:rPr lang="en-US" dirty="0" err="1">
+                <a:latin typeface="Consolas"/>
+                <a:cs typeface="Consolas"/>
+              </a:rPr>
+              <a:t>int</a:t>
+            </a:r>
+            <a:r>
+              <a:rPr lang="en-US" dirty="0">
+                <a:latin typeface="Consolas"/>
+                <a:cs typeface="Consolas"/>
+              </a:rPr>
+              <a:t> y;</a:t>
+            </a:r>
+          </a:p>
+          <a:p>
+            <a:pPr marL="0" indent="0">
+              <a:buNone/>
+            </a:pPr>
+            <a:r>
+              <a:rPr lang="en-US" dirty="0">
+                <a:latin typeface="Consolas"/>
+                <a:cs typeface="Consolas"/>
+              </a:rPr>
+              <a:t>};</a:t>
+            </a:r>
+          </a:p>
+          <a:p>
+            <a:pPr marL="0" indent="0">
+              <a:buNone/>
+            </a:pPr>
+            <a:endParaRPr lang="en-US" dirty="0" smtClean="0">
+              <a:latin typeface="Consolas"/>
+              <a:cs typeface="Consolas"/>
+            </a:endParaRPr>
+          </a:p>
+          <a:p>
+            <a:pPr marL="0" indent="0">
+              <a:buNone/>
+            </a:pPr>
+            <a:r>
+              <a:rPr lang="en-US" dirty="0" err="1" smtClean="0">
+                <a:latin typeface="Consolas"/>
+                <a:cs typeface="Consolas"/>
+              </a:rPr>
+              <a:t>struct</a:t>
+            </a:r>
+            <a:r>
+              <a:rPr lang="en-US" dirty="0" smtClean="0">
+                <a:latin typeface="Consolas"/>
+                <a:cs typeface="Consolas"/>
+              </a:rPr>
+              <a:t> </a:t>
+            </a:r>
+            <a:r>
+              <a:rPr lang="en-US" dirty="0">
+                <a:latin typeface="Consolas"/>
+                <a:cs typeface="Consolas"/>
+              </a:rPr>
+              <a:t>point </a:t>
+            </a:r>
+            <a:r>
+              <a:rPr lang="en-US" dirty="0" err="1">
+                <a:latin typeface="Consolas"/>
+                <a:cs typeface="Consolas"/>
+              </a:rPr>
+              <a:t>my_point</a:t>
+            </a:r>
+            <a:r>
+              <a:rPr lang="en-US" dirty="0">
+                <a:latin typeface="Consolas"/>
+                <a:cs typeface="Consolas"/>
+              </a:rPr>
+              <a:t> = { 3, 7 };</a:t>
+            </a:r>
+          </a:p>
+          <a:p>
+            <a:pPr marL="0" indent="0">
+              <a:buNone/>
+            </a:pPr>
+            <a:r>
+              <a:rPr lang="en-US" dirty="0" err="1">
+                <a:latin typeface="Consolas"/>
+                <a:cs typeface="Consolas"/>
+              </a:rPr>
+              <a:t>struct</a:t>
+            </a:r>
+            <a:r>
+              <a:rPr lang="en-US" dirty="0">
+                <a:latin typeface="Consolas"/>
+                <a:cs typeface="Consolas"/>
+              </a:rPr>
+              <a:t> point *p = &amp;</a:t>
+            </a:r>
+            <a:r>
+              <a:rPr lang="en-US" dirty="0" err="1">
+                <a:latin typeface="Consolas"/>
+                <a:cs typeface="Consolas"/>
+              </a:rPr>
+              <a:t>my_point</a:t>
+            </a:r>
+            <a:r>
+              <a:rPr lang="en-US" dirty="0">
+                <a:latin typeface="Consolas"/>
+                <a:cs typeface="Consolas"/>
+              </a:rPr>
+              <a:t>;  </a:t>
+            </a:r>
+          </a:p>
+          <a:p>
+            <a:pPr marL="0" indent="0">
+              <a:buNone/>
+            </a:pPr>
+            <a:r>
+              <a:rPr lang="en-US" dirty="0">
+                <a:latin typeface="Consolas"/>
+                <a:cs typeface="Consolas"/>
+              </a:rPr>
+              <a:t>(*p).x = 8</a:t>
+            </a:r>
+            <a:r>
+              <a:rPr lang="en-US" dirty="0" smtClean="0">
+                <a:latin typeface="Consolas"/>
+                <a:cs typeface="Consolas"/>
+              </a:rPr>
+              <a:t>; </a:t>
+            </a:r>
+          </a:p>
+          <a:p>
+            <a:pPr marL="0" indent="0">
+              <a:buNone/>
+            </a:pPr>
+            <a:r>
+              <a:rPr lang="en-US" dirty="0" smtClean="0">
+                <a:latin typeface="Consolas"/>
+                <a:cs typeface="Consolas"/>
+              </a:rPr>
+              <a:t>p</a:t>
+            </a:r>
+            <a:r>
+              <a:rPr lang="en-US" dirty="0">
+                <a:latin typeface="Consolas"/>
+                <a:cs typeface="Consolas"/>
+              </a:rPr>
+              <a:t>-&gt;x = 8; </a:t>
+            </a:r>
+          </a:p>
+        </p:txBody>
+      </p:sp>
+    </p:spTree>
+    <p:extLst>
+      <p:ext uri="{BB962C8B-B14F-4D97-AF65-F5344CB8AC3E}">
+        <p14:creationId xmlns:p14="http://schemas.microsoft.com/office/powerpoint/2010/main" val="3314941213"/>
+      </p:ext>
+    </p:extLst>
+  </p:cSld>
+  <p:clrMapOvr>
+    <a:masterClrMapping/>
+  </p:clrMapOvr>
+</p:sld>
+</file>
+
 <file path=ppt/slides/slide8.xml><?xml version="1.0" encoding="utf-8"?>
 <p:sld xmlns:a="http://schemas.openxmlformats.org/drawingml/2006/main" xmlns:r="http://schemas.openxmlformats.org/officeDocument/2006/relationships" xmlns:p="http://schemas.openxmlformats.org/presentationml/2006/main">
   <p:cSld>
@@ -5896,11 +5966,7 @@
           <a:p>
             <a:r>
               <a:rPr lang="en-US" dirty="0" smtClean="0"/>
-              <a:t>Pointers to </a:t>
-            </a:r>
-            <a:r>
-              <a:rPr lang="en-US" dirty="0" err="1" smtClean="0"/>
-              <a:t>struct</a:t>
+              <a:t>Assembly, #2</a:t>
             </a:r>
             <a:endParaRPr lang="en-US" dirty="0"/>
           </a:p>
@@ -5918,79 +5984,66 @@
         </p:nvSpPr>
         <p:spPr/>
         <p:txBody>
-          <a:bodyPr>
-            <a:normAutofit fontScale="92500" lnSpcReduction="20000"/>
-          </a:bodyPr>
-          <a:lstStyle/>
+          <a:bodyPr/>
+          <a:lstStyle/>
+          <a:p>
+            <a:r>
+              <a:rPr lang="en-US" dirty="0"/>
+              <a:t>Jumps, flags</a:t>
+            </a:r>
+          </a:p>
           <a:p>
             <a:pPr marL="0" indent="0">
               <a:buNone/>
             </a:pPr>
             <a:r>
+              <a:rPr lang="en-US" dirty="0">
+                <a:hlinkClick r:id="rId2" action="ppaction://hlinkfile"/>
+              </a:rPr>
+              <a:t>https://</a:t>
+            </a:r>
+            <a:r>
               <a:rPr lang="en-US" dirty="0" err="1">
-                <a:latin typeface="Consolas"/>
-                <a:cs typeface="Consolas"/>
-              </a:rPr>
-              <a:t>struct</a:t>
+                <a:hlinkClick r:id="rId2" action="ppaction://hlinkfile"/>
+              </a:rPr>
+              <a:t>en.wikipedia.org</a:t>
             </a:r>
             <a:r>
               <a:rPr lang="en-US" dirty="0">
-                <a:latin typeface="Consolas"/>
-                <a:cs typeface="Consolas"/>
-              </a:rPr>
-              <a:t> point {</a:t>
-            </a:r>
+                <a:hlinkClick r:id="rId2" action="ppaction://hlinkfile"/>
+              </a:rPr>
+              <a:t>/wiki/</a:t>
+            </a:r>
+            <a:r>
+              <a:rPr lang="en-US" dirty="0" err="1">
+                <a:hlinkClick r:id="rId2" action="ppaction://hlinkfile"/>
+              </a:rPr>
+              <a:t>FLAGS_register</a:t>
+            </a:r>
+            <a:endParaRPr lang="en-US" dirty="0"/>
           </a:p>
           <a:p>
             <a:pPr marL="0" indent="0">
               <a:buNone/>
             </a:pPr>
-            <a:r>
-              <a:rPr lang="en-US" dirty="0" smtClean="0">
-                <a:latin typeface="Consolas"/>
-                <a:cs typeface="Consolas"/>
-              </a:rPr>
-              <a:t>  </a:t>
-            </a:r>
-            <a:r>
-              <a:rPr lang="en-US" dirty="0" err="1">
-                <a:latin typeface="Consolas"/>
-                <a:cs typeface="Consolas"/>
-              </a:rPr>
-              <a:t>int</a:t>
-            </a:r>
-            <a:r>
-              <a:rPr lang="en-US" dirty="0">
-                <a:latin typeface="Consolas"/>
-                <a:cs typeface="Consolas"/>
-              </a:rPr>
-              <a:t> x;</a:t>
+            <a:endParaRPr lang="en-US" dirty="0" smtClean="0"/>
+          </a:p>
+          <a:p>
+            <a:r>
+              <a:rPr lang="en-US" dirty="0" smtClean="0"/>
+              <a:t>Test </a:t>
             </a:r>
           </a:p>
           <a:p>
             <a:pPr marL="0" indent="0">
               <a:buNone/>
             </a:pPr>
-            <a:r>
-              <a:rPr lang="en-US" dirty="0" smtClean="0">
-                <a:latin typeface="Consolas"/>
-                <a:cs typeface="Consolas"/>
-              </a:rPr>
-              <a:t>  </a:t>
-            </a:r>
-            <a:r>
-              <a:rPr lang="en-US" dirty="0" err="1">
-                <a:latin typeface="Consolas"/>
-                <a:cs typeface="Consolas"/>
-              </a:rPr>
-              <a:t>int</a:t>
-            </a:r>
-            <a:r>
-              <a:rPr lang="en-US" dirty="0">
-                <a:latin typeface="Consolas"/>
-                <a:cs typeface="Consolas"/>
-              </a:rPr>
-              <a:t> y;</a:t>
+            <a:endParaRPr lang="en-US" dirty="0" smtClean="0"/>
+          </a:p>
+          <a:p>
+            <a:r>
+              <a:rPr lang="en-US" dirty="0" smtClean="0"/>
+              <a:t>String ops,  ( REPNE SCASB? )</a:t>
             </a:r>
           </a:p>
           <a:p>
@@ -5998,139 +6051,61 @@
               <a:buNone/>
             </a:pPr>
             <a:r>
-              <a:rPr lang="en-US" dirty="0">
-                <a:latin typeface="Consolas"/>
-                <a:cs typeface="Consolas"/>
-              </a:rPr>
-              <a:t>};</a:t>
-            </a:r>
-          </a:p>
-          <a:p>
-            <a:pPr marL="0" indent="0">
-              <a:buNone/>
-            </a:pPr>
-            <a:endParaRPr lang="en-US" dirty="0" smtClean="0">
-              <a:latin typeface="Consolas"/>
-              <a:cs typeface="Consolas"/>
-            </a:endParaRPr>
-          </a:p>
-          <a:p>
-            <a:pPr marL="0" indent="0">
-              <a:buNone/>
-            </a:pPr>
-            <a:r>
-              <a:rPr lang="en-US" dirty="0" err="1" smtClean="0">
-                <a:latin typeface="Consolas"/>
-                <a:cs typeface="Consolas"/>
-              </a:rPr>
-              <a:t>struct</a:t>
-            </a:r>
-            <a:r>
-              <a:rPr lang="en-US" dirty="0" smtClean="0">
-                <a:latin typeface="Consolas"/>
-                <a:cs typeface="Consolas"/>
-              </a:rPr>
-              <a:t> </a:t>
-            </a:r>
-            <a:r>
-              <a:rPr lang="en-US" dirty="0">
-                <a:latin typeface="Consolas"/>
-                <a:cs typeface="Consolas"/>
-              </a:rPr>
-              <a:t>point </a:t>
-            </a:r>
-            <a:r>
-              <a:rPr lang="en-US" dirty="0" err="1">
-                <a:latin typeface="Consolas"/>
-                <a:cs typeface="Consolas"/>
-              </a:rPr>
-              <a:t>my_point</a:t>
-            </a:r>
-            <a:r>
-              <a:rPr lang="en-US" dirty="0">
-                <a:latin typeface="Consolas"/>
-                <a:cs typeface="Consolas"/>
-              </a:rPr>
-              <a:t> = { 3, 7 };</a:t>
-            </a:r>
-          </a:p>
-          <a:p>
-            <a:pPr marL="0" indent="0">
-              <a:buNone/>
-            </a:pPr>
-            <a:r>
-              <a:rPr lang="en-US" dirty="0" err="1">
-                <a:latin typeface="Consolas"/>
-                <a:cs typeface="Consolas"/>
-              </a:rPr>
-              <a:t>struct</a:t>
-            </a:r>
-            <a:r>
-              <a:rPr lang="en-US" dirty="0">
-                <a:latin typeface="Consolas"/>
-                <a:cs typeface="Consolas"/>
-              </a:rPr>
-              <a:t> point *p = &amp;</a:t>
-            </a:r>
-            <a:r>
-              <a:rPr lang="en-US" dirty="0" err="1">
-                <a:latin typeface="Consolas"/>
-                <a:cs typeface="Consolas"/>
-              </a:rPr>
-              <a:t>my_point</a:t>
-            </a:r>
-            <a:r>
-              <a:rPr lang="en-US" dirty="0">
-                <a:latin typeface="Consolas"/>
-                <a:cs typeface="Consolas"/>
-              </a:rPr>
-              <a:t>;  </a:t>
-            </a:r>
-          </a:p>
-          <a:p>
-            <a:pPr marL="0" indent="0">
-              <a:buNone/>
-            </a:pPr>
-            <a:r>
-              <a:rPr lang="en-US" dirty="0">
-                <a:latin typeface="Consolas"/>
-                <a:cs typeface="Consolas"/>
-              </a:rPr>
-              <a:t>(*p).x = 8</a:t>
-            </a:r>
-            <a:r>
-              <a:rPr lang="en-US" dirty="0" smtClean="0">
-                <a:latin typeface="Consolas"/>
-                <a:cs typeface="Consolas"/>
-              </a:rPr>
-              <a:t>; </a:t>
-            </a:r>
-          </a:p>
-          <a:p>
-            <a:pPr marL="0" indent="0">
-              <a:buNone/>
-            </a:pPr>
-            <a:r>
-              <a:rPr lang="en-US" dirty="0" smtClean="0">
-                <a:latin typeface="Consolas"/>
-                <a:cs typeface="Consolas"/>
-              </a:rPr>
-              <a:t>p</a:t>
-            </a:r>
-            <a:r>
-              <a:rPr lang="en-US" dirty="0">
-                <a:latin typeface="Consolas"/>
-                <a:cs typeface="Consolas"/>
-              </a:rPr>
-              <a:t>-&gt;x = 8; </a:t>
-            </a:r>
+              <a:rPr lang="en-US" sz="2400" dirty="0" smtClean="0">
+                <a:hlinkClick r:id="rId3"/>
+              </a:rPr>
+              <a:t>http</a:t>
+            </a:r>
+            <a:r>
+              <a:rPr lang="en-US" sz="2400" dirty="0">
+                <a:hlinkClick r:id="rId3"/>
+              </a:rPr>
+              <a:t>://</a:t>
+            </a:r>
+            <a:r>
+              <a:rPr lang="en-US" sz="2400" dirty="0" err="1">
+                <a:hlinkClick r:id="rId3"/>
+              </a:rPr>
+              <a:t>www.csc.depauw.edu</a:t>
+            </a:r>
+            <a:r>
+              <a:rPr lang="en-US" sz="2400" dirty="0">
+                <a:hlinkClick r:id="rId3"/>
+              </a:rPr>
+              <a:t>/~</a:t>
+            </a:r>
+            <a:r>
+              <a:rPr lang="en-US" sz="2400" dirty="0" err="1">
+                <a:hlinkClick r:id="rId3"/>
+              </a:rPr>
+              <a:t>bhoward</a:t>
+            </a:r>
+            <a:r>
+              <a:rPr lang="en-US" sz="2400" dirty="0">
+                <a:hlinkClick r:id="rId3"/>
+              </a:rPr>
+              <a:t>/</a:t>
+            </a:r>
+            <a:r>
+              <a:rPr lang="en-US" sz="2400" dirty="0" err="1">
+                <a:hlinkClick r:id="rId3"/>
+              </a:rPr>
+              <a:t>asmtut</a:t>
+            </a:r>
+            <a:r>
+              <a:rPr lang="en-US" sz="2400" dirty="0">
+                <a:hlinkClick r:id="rId3"/>
+              </a:rPr>
+              <a:t>/asmtut7.html</a:t>
+            </a:r>
+            <a:endParaRPr lang="en-US" sz="2400" dirty="0"/>
           </a:p>
         </p:txBody>
       </p:sp>
     </p:spTree>
     <p:extLst>
       <p:ext uri="{BB962C8B-B14F-4D97-AF65-F5344CB8AC3E}">
-        <p14:creationId xmlns:p14="http://schemas.microsoft.com/office/powerpoint/2010/main" val="3314941213"/>
+        <p14:creationId xmlns:p14="http://schemas.microsoft.com/office/powerpoint/2010/main" val="911492628"/>
       </p:ext>
     </p:extLst>
   </p:cSld>
@@ -6173,8 +6148,12 @@
           <a:lstStyle/>
           <a:p>
             <a:r>
+              <a:rPr lang="en-US" dirty="0"/>
+              <a:t>D</a:t>
+            </a:r>
+            <a:r>
               <a:rPr lang="en-US" dirty="0" smtClean="0"/>
-              <a:t>Testing</a:t>
+              <a:t>ebugging</a:t>
             </a:r>
             <a:endParaRPr lang="en-US" dirty="0"/>
           </a:p>

--- a/slides.pptx
+++ b/slides.pptx
@@ -216,7 +216,7 @@
           <a:p>
             <a:fld id="{C197A9E1-4196-D249-934A-ADF7A8F4498A}" type="datetimeFigureOut">
               <a:rPr lang="en-US" smtClean="0"/>
-              <a:t>10/10/15</a:t>
+              <a:t>12/10/15</a:t>
             </a:fld>
             <a:endParaRPr lang="en-US"/>
           </a:p>
@@ -1246,7 +1246,7 @@
           <a:p>
             <a:fld id="{4A9AB78F-46B8-2141-9B97-A74BA642CA0B}" type="datetimeFigureOut">
               <a:rPr lang="en-US" smtClean="0"/>
-              <a:t>10/10/15</a:t>
+              <a:t>12/10/15</a:t>
             </a:fld>
             <a:endParaRPr lang="en-US"/>
           </a:p>
@@ -1416,7 +1416,7 @@
           <a:p>
             <a:fld id="{4A9AB78F-46B8-2141-9B97-A74BA642CA0B}" type="datetimeFigureOut">
               <a:rPr lang="en-US" smtClean="0"/>
-              <a:t>10/10/15</a:t>
+              <a:t>12/10/15</a:t>
             </a:fld>
             <a:endParaRPr lang="en-US"/>
           </a:p>
@@ -1596,7 +1596,7 @@
           <a:p>
             <a:fld id="{4A9AB78F-46B8-2141-9B97-A74BA642CA0B}" type="datetimeFigureOut">
               <a:rPr lang="en-US" smtClean="0"/>
-              <a:t>10/10/15</a:t>
+              <a:t>12/10/15</a:t>
             </a:fld>
             <a:endParaRPr lang="en-US"/>
           </a:p>
@@ -1766,7 +1766,7 @@
           <a:p>
             <a:fld id="{4A9AB78F-46B8-2141-9B97-A74BA642CA0B}" type="datetimeFigureOut">
               <a:rPr lang="en-US" smtClean="0"/>
-              <a:t>10/10/15</a:t>
+              <a:t>12/10/15</a:t>
             </a:fld>
             <a:endParaRPr lang="en-US"/>
           </a:p>
@@ -2012,7 +2012,7 @@
           <a:p>
             <a:fld id="{4A9AB78F-46B8-2141-9B97-A74BA642CA0B}" type="datetimeFigureOut">
               <a:rPr lang="en-US" smtClean="0"/>
-              <a:t>10/10/15</a:t>
+              <a:t>12/10/15</a:t>
             </a:fld>
             <a:endParaRPr lang="en-US"/>
           </a:p>
@@ -2300,7 +2300,7 @@
           <a:p>
             <a:fld id="{4A9AB78F-46B8-2141-9B97-A74BA642CA0B}" type="datetimeFigureOut">
               <a:rPr lang="en-US" smtClean="0"/>
-              <a:t>10/10/15</a:t>
+              <a:t>12/10/15</a:t>
             </a:fld>
             <a:endParaRPr lang="en-US"/>
           </a:p>
@@ -2722,7 +2722,7 @@
           <a:p>
             <a:fld id="{4A9AB78F-46B8-2141-9B97-A74BA642CA0B}" type="datetimeFigureOut">
               <a:rPr lang="en-US" smtClean="0"/>
-              <a:t>10/10/15</a:t>
+              <a:t>12/10/15</a:t>
             </a:fld>
             <a:endParaRPr lang="en-US"/>
           </a:p>
@@ -2840,7 +2840,7 @@
           <a:p>
             <a:fld id="{4A9AB78F-46B8-2141-9B97-A74BA642CA0B}" type="datetimeFigureOut">
               <a:rPr lang="en-US" smtClean="0"/>
-              <a:t>10/10/15</a:t>
+              <a:t>12/10/15</a:t>
             </a:fld>
             <a:endParaRPr lang="en-US"/>
           </a:p>
@@ -2935,7 +2935,7 @@
           <a:p>
             <a:fld id="{4A9AB78F-46B8-2141-9B97-A74BA642CA0B}" type="datetimeFigureOut">
               <a:rPr lang="en-US" smtClean="0"/>
-              <a:t>10/10/15</a:t>
+              <a:t>12/10/15</a:t>
             </a:fld>
             <a:endParaRPr lang="en-US"/>
           </a:p>
@@ -3212,7 +3212,7 @@
           <a:p>
             <a:fld id="{4A9AB78F-46B8-2141-9B97-A74BA642CA0B}" type="datetimeFigureOut">
               <a:rPr lang="en-US" smtClean="0"/>
-              <a:t>10/10/15</a:t>
+              <a:t>12/10/15</a:t>
             </a:fld>
             <a:endParaRPr lang="en-US"/>
           </a:p>
@@ -3465,7 +3465,7 @@
           <a:p>
             <a:fld id="{4A9AB78F-46B8-2141-9B97-A74BA642CA0B}" type="datetimeFigureOut">
               <a:rPr lang="en-US" smtClean="0"/>
-              <a:t>10/10/15</a:t>
+              <a:t>12/10/15</a:t>
             </a:fld>
             <a:endParaRPr lang="en-US"/>
           </a:p>
@@ -3678,7 +3678,7 @@
           <a:p>
             <a:fld id="{4A9AB78F-46B8-2141-9B97-A74BA642CA0B}" type="datetimeFigureOut">
               <a:rPr lang="en-US" smtClean="0"/>
-              <a:t>10/10/15</a:t>
+              <a:t>12/10/15</a:t>
             </a:fld>
             <a:endParaRPr lang="en-US"/>
           </a:p>
@@ -4073,12 +4073,16 @@
               <a:t>Reversing and </a:t>
             </a:r>
             <a:r>
-              <a:rPr lang="en-US" dirty="0" err="1"/>
+              <a:rPr lang="en-US" dirty="0" err="1" smtClean="0"/>
               <a:t>analysing</a:t>
             </a:r>
             <a:r>
+              <a:rPr lang="en-US" dirty="0" smtClean="0"/>
+              <a:t> </a:t>
+            </a:r>
+            <a:r>
               <a:rPr lang="en-US" dirty="0"/>
-              <a:t> binaries with IDA</a:t>
+              <a:t>binaries with IDA</a:t>
             </a:r>
           </a:p>
         </p:txBody>
@@ -4304,11 +4308,7 @@
           <a:p>
             <a:r>
               <a:rPr lang="en-US" dirty="0" smtClean="0"/>
-              <a:t>Changing </a:t>
-            </a:r>
-            <a:r>
-              <a:rPr lang="en-US" dirty="0" smtClean="0"/>
-              <a:t>things (NO UNDO, YOU FOOLS!)</a:t>
+              <a:t>Changing things (NO UNDO, YOU FOOLS!)</a:t>
             </a:r>
           </a:p>
           <a:p>
@@ -4440,11 +4440,7 @@
             </a:r>
             <a:r>
               <a:rPr lang="en-US" dirty="0" smtClean="0"/>
-              <a:t>? Stack</a:t>
-            </a:r>
-            <a:r>
-              <a:rPr lang="en-US" dirty="0" smtClean="0"/>
-              <a:t>?</a:t>
+              <a:t>? Stack?</a:t>
             </a:r>
           </a:p>
           <a:p>
@@ -4456,7 +4452,6 @@
               <a:rPr lang="en-US" dirty="0" smtClean="0"/>
               <a:t>egisters</a:t>
             </a:r>
-            <a:endParaRPr lang="en-US" dirty="0" smtClean="0"/>
           </a:p>
           <a:p>
             <a:r>
